--- a/6-Error_bars.pptx
+++ b/6-Error_bars.pptx
@@ -5,10 +5,10 @@
     <p:sldMasterId id="2147483648" r:id="rId1"/>
   </p:sldMasterIdLst>
   <p:notesMasterIdLst>
-    <p:notesMasterId r:id="rId21"/>
+    <p:notesMasterId r:id="rId24"/>
   </p:notesMasterIdLst>
   <p:handoutMasterIdLst>
-    <p:handoutMasterId r:id="rId22"/>
+    <p:handoutMasterId r:id="rId25"/>
   </p:handoutMasterIdLst>
   <p:sldIdLst>
     <p:sldId id="258" r:id="rId2"/>
@@ -30,6 +30,9 @@
     <p:sldId id="274" r:id="rId18"/>
     <p:sldId id="273" r:id="rId19"/>
     <p:sldId id="275" r:id="rId20"/>
+    <p:sldId id="277" r:id="rId21"/>
+    <p:sldId id="278" r:id="rId22"/>
+    <p:sldId id="276" r:id="rId23"/>
   </p:sldIdLst>
   <p:sldSz cx="9144000" cy="6858000" type="screen4x3"/>
   <p:notesSz cx="9144000" cy="6858000"/>
@@ -229,7 +232,7 @@
           <a:p>
             <a:fld id="{FC4DB5A4-DD84-9D4B-A325-6E14D9EDC754}" type="datetimeFigureOut">
               <a:rPr lang="en-US" smtClean="0"/>
-              <a:t>11/12/23</a:t>
+              <a:t>11/14/24</a:t>
             </a:fld>
             <a:endParaRPr lang="en-US"/>
           </a:p>
@@ -394,7 +397,7 @@
           <a:p>
             <a:fld id="{9BA97432-5253-7843-9D42-97ECE6256560}" type="datetimeFigureOut">
               <a:rPr lang="en-US" smtClean="0"/>
-              <a:t>11/12/23</a:t>
+              <a:t>11/14/24</a:t>
             </a:fld>
             <a:endParaRPr lang="en-US"/>
           </a:p>
@@ -1150,7 +1153,7 @@
                 <a:latin typeface="Arial" charset="0"/>
                 <a:cs typeface="msgothic" charset="0"/>
               </a:rPr>
-              <a:t>Estimating statistical significance using the overlap rule for 95% CI bars. Here, 95% CI bars are shown on two separate means, for control results C and experimental results E, when n is 3 (left) or n is 10 or more (right). </a:t>
+              <a:t>Estimating statistical significance using the overlap rule for 95% CI bars. Here, 95% CI bars are shown on two separate means, for control results C and experimental results E, when n is 10 or more. </a:t>
             </a:r>
             <a:r>
               <a:rPr lang="en-GB" altLang="en-GB" dirty="0">
@@ -1178,7 +1181,56 @@
                 <a:latin typeface="Arial" charset="0"/>
                 <a:cs typeface="msgothic" charset="0"/>
               </a:rPr>
-              <a:t> refers to the fraction of the average CI error bar arm, i.e., the average of the control (C) and experimental (E) arms. When n ≥ 10, if CI error bars overlap by half the average arm length, P ≈ 0.05. If the tips of the error bars just touch, P ≈ 0.01.</a:t>
+              <a:t> refers to the fraction of the average CI error bar arm, i.e., the average of the control (C) and experimental (E) arms. </a:t>
+            </a:r>
+          </a:p>
+          <a:p>
+            <a:pPr marL="0" marR="0" indent="0" algn="l" defTabSz="457200" rtl="0" eaLnBrk="1" fontAlgn="auto" latinLnBrk="0" hangingPunct="1">
+              <a:lnSpc>
+                <a:spcPct val="93000"/>
+              </a:lnSpc>
+              <a:spcBef>
+                <a:spcPct val="0"/>
+              </a:spcBef>
+              <a:spcAft>
+                <a:spcPts val="0"/>
+              </a:spcAft>
+              <a:buClrTx/>
+              <a:buSzPct val="45000"/>
+              <a:buFont typeface="Wingdings" charset="0"/>
+              <a:buNone/>
+              <a:tabLst/>
+              <a:defRPr/>
+            </a:pPr>
+            <a:endParaRPr lang="en-GB" dirty="0">
+              <a:latin typeface="Arial" charset="0"/>
+              <a:cs typeface="msgothic" charset="0"/>
+            </a:endParaRPr>
+          </a:p>
+          <a:p>
+            <a:pPr marL="0" marR="0" indent="0" algn="l" defTabSz="457200" rtl="0" eaLnBrk="1" fontAlgn="auto" latinLnBrk="0" hangingPunct="1">
+              <a:lnSpc>
+                <a:spcPct val="93000"/>
+              </a:lnSpc>
+              <a:spcBef>
+                <a:spcPct val="0"/>
+              </a:spcBef>
+              <a:spcAft>
+                <a:spcPts val="0"/>
+              </a:spcAft>
+              <a:buClrTx/>
+              <a:buSzPct val="45000"/>
+              <a:buFont typeface="Wingdings" charset="0"/>
+              <a:buNone/>
+              <a:tabLst/>
+              <a:defRPr/>
+            </a:pPr>
+            <a:r>
+              <a:rPr lang="en-GB" dirty="0">
+                <a:latin typeface="Arial" charset="0"/>
+                <a:cs typeface="msgothic" charset="0"/>
+              </a:rPr>
+              <a:t>When n ≥ 10, if CI error bars overlap by half the average arm length, P ≈ 0.05. If the tips of the error bars just touch, P ≈ 0.01.</a:t>
             </a:r>
           </a:p>
           <a:p>
@@ -1602,6 +1654,101 @@
 </p:notes>
 </file>
 
+<file path=ppt/notesSlides/notesSlide15.xml><?xml version="1.0" encoding="utf-8"?>
+<p:notes xmlns:a="http://schemas.openxmlformats.org/drawingml/2006/main" xmlns:r="http://schemas.openxmlformats.org/officeDocument/2006/relationships" xmlns:p="http://schemas.openxmlformats.org/presentationml/2006/main">
+  <p:cSld>
+    <p:spTree>
+      <p:nvGrpSpPr>
+        <p:cNvPr id="1" name=""/>
+        <p:cNvGrpSpPr/>
+        <p:nvPr/>
+      </p:nvGrpSpPr>
+      <p:grpSpPr>
+        <a:xfrm>
+          <a:off x="0" y="0"/>
+          <a:ext cx="0" cy="0"/>
+          <a:chOff x="0" y="0"/>
+          <a:chExt cx="0" cy="0"/>
+        </a:xfrm>
+      </p:grpSpPr>
+      <p:sp>
+        <p:nvSpPr>
+          <p:cNvPr id="2" name="Slide Image Placeholder 1"/>
+          <p:cNvSpPr>
+            <a:spLocks noGrp="1" noRot="1" noChangeAspect="1"/>
+          </p:cNvSpPr>
+          <p:nvPr>
+            <p:ph type="sldImg"/>
+          </p:nvPr>
+        </p:nvSpPr>
+        <p:spPr/>
+      </p:sp>
+      <p:sp>
+        <p:nvSpPr>
+          <p:cNvPr id="3" name="Notes Placeholder 2"/>
+          <p:cNvSpPr>
+            <a:spLocks noGrp="1"/>
+          </p:cNvSpPr>
+          <p:nvPr>
+            <p:ph type="body" idx="1"/>
+          </p:nvPr>
+        </p:nvSpPr>
+        <p:spPr/>
+        <p:txBody>
+          <a:bodyPr/>
+          <a:lstStyle/>
+          <a:p>
+            <a:r>
+              <a:rPr lang="en-US" dirty="0"/>
+              <a:t>https://</a:t>
+            </a:r>
+            <a:r>
+              <a:rPr lang="en-US" dirty="0" err="1"/>
+              <a:t>medium.com</a:t>
+            </a:r>
+            <a:r>
+              <a:rPr lang="en-US"/>
+              <a:t>/one-minute-machine-learning/how-to-properly-interpret-error-bars-4a6410625656</a:t>
+            </a:r>
+          </a:p>
+        </p:txBody>
+      </p:sp>
+      <p:sp>
+        <p:nvSpPr>
+          <p:cNvPr id="4" name="Slide Number Placeholder 3"/>
+          <p:cNvSpPr>
+            <a:spLocks noGrp="1"/>
+          </p:cNvSpPr>
+          <p:nvPr>
+            <p:ph type="sldNum" sz="quarter" idx="5"/>
+          </p:nvPr>
+        </p:nvSpPr>
+        <p:spPr/>
+        <p:txBody>
+          <a:bodyPr/>
+          <a:lstStyle/>
+          <a:p>
+            <a:fld id="{5C9F3DBE-7FDB-C84C-8BBB-9BD8E328562B}" type="slidenum">
+              <a:rPr lang="en-US" smtClean="0"/>
+              <a:t>22</a:t>
+            </a:fld>
+            <a:endParaRPr lang="en-US"/>
+          </a:p>
+        </p:txBody>
+      </p:sp>
+    </p:spTree>
+    <p:extLst>
+      <p:ext uri="{BB962C8B-B14F-4D97-AF65-F5344CB8AC3E}">
+        <p14:creationId xmlns:p14="http://schemas.microsoft.com/office/powerpoint/2010/main" val="489416921"/>
+      </p:ext>
+    </p:extLst>
+  </p:cSld>
+  <p:clrMapOvr>
+    <a:masterClrMapping/>
+  </p:clrMapOvr>
+</p:notes>
+</file>
+
 <file path=ppt/notesSlides/notesSlide2.xml><?xml version="1.0" encoding="utf-8"?>
 <p:notes xmlns:a="http://schemas.openxmlformats.org/drawingml/2006/main" xmlns:r="http://schemas.openxmlformats.org/officeDocument/2006/relationships" xmlns:p="http://schemas.openxmlformats.org/presentationml/2006/main">
   <p:cSld>
@@ -2511,7 +2658,7 @@
           <a:p>
             <a:fld id="{77E121AC-952C-F64F-A84B-88C5A7C30312}" type="datetimeFigureOut">
               <a:rPr lang="en-US" smtClean="0"/>
-              <a:t>11/12/23</a:t>
+              <a:t>11/14/24</a:t>
             </a:fld>
             <a:endParaRPr lang="en-US"/>
           </a:p>
@@ -2679,7 +2826,7 @@
           <a:p>
             <a:fld id="{77E121AC-952C-F64F-A84B-88C5A7C30312}" type="datetimeFigureOut">
               <a:rPr lang="en-US" smtClean="0"/>
-              <a:t>11/12/23</a:t>
+              <a:t>11/14/24</a:t>
             </a:fld>
             <a:endParaRPr lang="en-US"/>
           </a:p>
@@ -2857,7 +3004,7 @@
           <a:p>
             <a:fld id="{77E121AC-952C-F64F-A84B-88C5A7C30312}" type="datetimeFigureOut">
               <a:rPr lang="en-US" smtClean="0"/>
-              <a:t>11/12/23</a:t>
+              <a:t>11/14/24</a:t>
             </a:fld>
             <a:endParaRPr lang="en-US"/>
           </a:p>
@@ -3025,7 +3172,7 @@
           <a:p>
             <a:fld id="{77E121AC-952C-F64F-A84B-88C5A7C30312}" type="datetimeFigureOut">
               <a:rPr lang="en-US" smtClean="0"/>
-              <a:t>11/12/23</a:t>
+              <a:t>11/14/24</a:t>
             </a:fld>
             <a:endParaRPr lang="en-US"/>
           </a:p>
@@ -3270,7 +3417,7 @@
           <a:p>
             <a:fld id="{77E121AC-952C-F64F-A84B-88C5A7C30312}" type="datetimeFigureOut">
               <a:rPr lang="en-US" smtClean="0"/>
-              <a:t>11/12/23</a:t>
+              <a:t>11/14/24</a:t>
             </a:fld>
             <a:endParaRPr lang="en-US"/>
           </a:p>
@@ -3555,7 +3702,7 @@
           <a:p>
             <a:fld id="{77E121AC-952C-F64F-A84B-88C5A7C30312}" type="datetimeFigureOut">
               <a:rPr lang="en-US" smtClean="0"/>
-              <a:t>11/12/23</a:t>
+              <a:t>11/14/24</a:t>
             </a:fld>
             <a:endParaRPr lang="en-US"/>
           </a:p>
@@ -3974,7 +4121,7 @@
           <a:p>
             <a:fld id="{77E121AC-952C-F64F-A84B-88C5A7C30312}" type="datetimeFigureOut">
               <a:rPr lang="en-US" smtClean="0"/>
-              <a:t>11/12/23</a:t>
+              <a:t>11/14/24</a:t>
             </a:fld>
             <a:endParaRPr lang="en-US"/>
           </a:p>
@@ -4091,7 +4238,7 @@
           <a:p>
             <a:fld id="{77E121AC-952C-F64F-A84B-88C5A7C30312}" type="datetimeFigureOut">
               <a:rPr lang="en-US" smtClean="0"/>
-              <a:t>11/12/23</a:t>
+              <a:t>11/14/24</a:t>
             </a:fld>
             <a:endParaRPr lang="en-US"/>
           </a:p>
@@ -4186,7 +4333,7 @@
           <a:p>
             <a:fld id="{77E121AC-952C-F64F-A84B-88C5A7C30312}" type="datetimeFigureOut">
               <a:rPr lang="en-US" smtClean="0"/>
-              <a:t>11/12/23</a:t>
+              <a:t>11/14/24</a:t>
             </a:fld>
             <a:endParaRPr lang="en-US"/>
           </a:p>
@@ -4461,7 +4608,7 @@
           <a:p>
             <a:fld id="{77E121AC-952C-F64F-A84B-88C5A7C30312}" type="datetimeFigureOut">
               <a:rPr lang="en-US" smtClean="0"/>
-              <a:t>11/12/23</a:t>
+              <a:t>11/14/24</a:t>
             </a:fld>
             <a:endParaRPr lang="en-US"/>
           </a:p>
@@ -4713,7 +4860,7 @@
           <a:p>
             <a:fld id="{77E121AC-952C-F64F-A84B-88C5A7C30312}" type="datetimeFigureOut">
               <a:rPr lang="en-US" smtClean="0"/>
-              <a:t>11/12/23</a:t>
+              <a:t>11/14/24</a:t>
             </a:fld>
             <a:endParaRPr lang="en-US"/>
           </a:p>
@@ -4924,7 +5071,7 @@
           <a:p>
             <a:fld id="{77E121AC-952C-F64F-A84B-88C5A7C30312}" type="datetimeFigureOut">
               <a:rPr lang="en-US" smtClean="0"/>
-              <a:t>11/12/23</a:t>
+              <a:t>11/14/24</a:t>
             </a:fld>
             <a:endParaRPr lang="en-US"/>
           </a:p>
@@ -10388,6 +10535,308 @@
 </p:sld>
 </file>
 
+<file path=ppt/slides/slide20.xml><?xml version="1.0" encoding="utf-8"?>
+<p:sld xmlns:a="http://schemas.openxmlformats.org/drawingml/2006/main" xmlns:r="http://schemas.openxmlformats.org/officeDocument/2006/relationships" xmlns:p="http://schemas.openxmlformats.org/presentationml/2006/main">
+  <p:cSld>
+    <p:bg>
+      <p:bgPr>
+        <a:solidFill>
+          <a:schemeClr val="tx1"/>
+        </a:solidFill>
+        <a:effectLst/>
+      </p:bgPr>
+    </p:bg>
+    <p:spTree>
+      <p:nvGrpSpPr>
+        <p:cNvPr id="1" name=""/>
+        <p:cNvGrpSpPr/>
+        <p:nvPr/>
+      </p:nvGrpSpPr>
+      <p:grpSpPr>
+        <a:xfrm>
+          <a:off x="0" y="0"/>
+          <a:ext cx="0" cy="0"/>
+          <a:chOff x="0" y="0"/>
+          <a:chExt cx="0" cy="0"/>
+        </a:xfrm>
+      </p:grpSpPr>
+    </p:spTree>
+    <p:extLst>
+      <p:ext uri="{BB962C8B-B14F-4D97-AF65-F5344CB8AC3E}">
+        <p14:creationId xmlns:p14="http://schemas.microsoft.com/office/powerpoint/2010/main" val="357322286"/>
+      </p:ext>
+    </p:extLst>
+  </p:cSld>
+  <p:clrMapOvr>
+    <a:masterClrMapping/>
+  </p:clrMapOvr>
+</p:sld>
+</file>
+
+<file path=ppt/slides/slide21.xml><?xml version="1.0" encoding="utf-8"?>
+<p:sld xmlns:a="http://schemas.openxmlformats.org/drawingml/2006/main" xmlns:r="http://schemas.openxmlformats.org/officeDocument/2006/relationships" xmlns:p="http://schemas.openxmlformats.org/presentationml/2006/main">
+  <p:cSld>
+    <p:spTree>
+      <p:nvGrpSpPr>
+        <p:cNvPr id="1" name=""/>
+        <p:cNvGrpSpPr/>
+        <p:nvPr/>
+      </p:nvGrpSpPr>
+      <p:grpSpPr>
+        <a:xfrm>
+          <a:off x="0" y="0"/>
+          <a:ext cx="0" cy="0"/>
+          <a:chOff x="0" y="0"/>
+          <a:chExt cx="0" cy="0"/>
+        </a:xfrm>
+      </p:grpSpPr>
+      <p:pic>
+        <p:nvPicPr>
+          <p:cNvPr id="2050" name="Picture 2">
+            <a:extLst>
+              <a:ext uri="{FF2B5EF4-FFF2-40B4-BE49-F238E27FC236}">
+                <a16:creationId xmlns:a16="http://schemas.microsoft.com/office/drawing/2014/main" id="{C4B35326-7454-D683-D432-728CB4571D6A}"/>
+              </a:ext>
+            </a:extLst>
+          </p:cNvPr>
+          <p:cNvPicPr>
+            <a:picLocks noChangeAspect="1" noChangeArrowheads="1"/>
+          </p:cNvPicPr>
+          <p:nvPr/>
+        </p:nvPicPr>
+        <p:blipFill>
+          <a:blip r:embed="rId2">
+            <a:extLst>
+              <a:ext uri="{28A0092B-C50C-407E-A947-70E740481C1C}">
+                <a14:useLocalDpi xmlns:a14="http://schemas.microsoft.com/office/drawing/2010/main" val="0"/>
+              </a:ext>
+            </a:extLst>
+          </a:blip>
+          <a:srcRect/>
+          <a:stretch>
+            <a:fillRect/>
+          </a:stretch>
+        </p:blipFill>
+        <p:spPr bwMode="auto">
+          <a:xfrm>
+            <a:off x="0" y="855663"/>
+            <a:ext cx="9144000" cy="5146675"/>
+          </a:xfrm>
+          <a:prstGeom prst="rect">
+            <a:avLst/>
+          </a:prstGeom>
+          <a:noFill/>
+          <a:extLst>
+            <a:ext uri="{909E8E84-426E-40DD-AFC4-6F175D3DCCD1}">
+              <a14:hiddenFill xmlns:a14="http://schemas.microsoft.com/office/drawing/2010/main">
+                <a:solidFill>
+                  <a:srgbClr val="FFFFFF"/>
+                </a:solidFill>
+              </a14:hiddenFill>
+            </a:ext>
+          </a:extLst>
+        </p:spPr>
+      </p:pic>
+    </p:spTree>
+    <p:extLst>
+      <p:ext uri="{BB962C8B-B14F-4D97-AF65-F5344CB8AC3E}">
+        <p14:creationId xmlns:p14="http://schemas.microsoft.com/office/powerpoint/2010/main" val="1505172372"/>
+      </p:ext>
+    </p:extLst>
+  </p:cSld>
+  <p:clrMapOvr>
+    <a:masterClrMapping/>
+  </p:clrMapOvr>
+</p:sld>
+</file>
+
+<file path=ppt/slides/slide22.xml><?xml version="1.0" encoding="utf-8"?>
+<p:sld xmlns:a="http://schemas.openxmlformats.org/drawingml/2006/main" xmlns:r="http://schemas.openxmlformats.org/officeDocument/2006/relationships" xmlns:p="http://schemas.openxmlformats.org/presentationml/2006/main">
+  <p:cSld>
+    <p:spTree>
+      <p:nvGrpSpPr>
+        <p:cNvPr id="1" name=""/>
+        <p:cNvGrpSpPr/>
+        <p:nvPr/>
+      </p:nvGrpSpPr>
+      <p:grpSpPr>
+        <a:xfrm>
+          <a:off x="0" y="0"/>
+          <a:ext cx="0" cy="0"/>
+          <a:chOff x="0" y="0"/>
+          <a:chExt cx="0" cy="0"/>
+        </a:xfrm>
+      </p:grpSpPr>
+      <p:pic>
+        <p:nvPicPr>
+          <p:cNvPr id="1026" name="Picture 2">
+            <a:extLst>
+              <a:ext uri="{FF2B5EF4-FFF2-40B4-BE49-F238E27FC236}">
+                <a16:creationId xmlns:a16="http://schemas.microsoft.com/office/drawing/2014/main" id="{C5F4586D-8C80-6270-F233-1F41A4C8F0A6}"/>
+              </a:ext>
+            </a:extLst>
+          </p:cNvPr>
+          <p:cNvPicPr>
+            <a:picLocks noChangeAspect="1" noChangeArrowheads="1"/>
+          </p:cNvPicPr>
+          <p:nvPr/>
+        </p:nvPicPr>
+        <p:blipFill>
+          <a:blip r:embed="rId3">
+            <a:extLst>
+              <a:ext uri="{28A0092B-C50C-407E-A947-70E740481C1C}">
+                <a14:useLocalDpi xmlns:a14="http://schemas.microsoft.com/office/drawing/2010/main" val="0"/>
+              </a:ext>
+            </a:extLst>
+          </a:blip>
+          <a:srcRect/>
+          <a:stretch>
+            <a:fillRect/>
+          </a:stretch>
+        </p:blipFill>
+        <p:spPr bwMode="auto">
+          <a:xfrm>
+            <a:off x="1137241" y="2261104"/>
+            <a:ext cx="7112586" cy="3815606"/>
+          </a:xfrm>
+          <a:prstGeom prst="rect">
+            <a:avLst/>
+          </a:prstGeom>
+          <a:noFill/>
+          <a:extLst>
+            <a:ext uri="{909E8E84-426E-40DD-AFC4-6F175D3DCCD1}">
+              <a14:hiddenFill xmlns:a14="http://schemas.microsoft.com/office/drawing/2010/main">
+                <a:solidFill>
+                  <a:srgbClr val="FFFFFF"/>
+                </a:solidFill>
+              </a14:hiddenFill>
+            </a:ext>
+          </a:extLst>
+        </p:spPr>
+      </p:pic>
+      <p:sp>
+        <p:nvSpPr>
+          <p:cNvPr id="3" name="TextBox 2">
+            <a:extLst>
+              <a:ext uri="{FF2B5EF4-FFF2-40B4-BE49-F238E27FC236}">
+                <a16:creationId xmlns:a16="http://schemas.microsoft.com/office/drawing/2014/main" id="{F1EFBB2E-0637-F108-672B-27D1BE51891D}"/>
+              </a:ext>
+            </a:extLst>
+          </p:cNvPr>
+          <p:cNvSpPr txBox="1"/>
+          <p:nvPr/>
+        </p:nvSpPr>
+        <p:spPr>
+          <a:xfrm>
+            <a:off x="121534" y="6192295"/>
+            <a:ext cx="4572000" cy="461665"/>
+          </a:xfrm>
+          <a:prstGeom prst="rect">
+            <a:avLst/>
+          </a:prstGeom>
+          <a:noFill/>
+        </p:spPr>
+        <p:txBody>
+          <a:bodyPr wrap="square">
+            <a:spAutoFit/>
+          </a:bodyPr>
+          <a:lstStyle/>
+          <a:p>
+            <a:r>
+              <a:rPr lang="en-US" sz="1200" i="0" dirty="0">
+                <a:effectLst/>
+                <a:latin typeface="sohne"/>
+              </a:rPr>
+              <a:t>from Krzywinski, M., Altman, N. Error bars. </a:t>
+            </a:r>
+            <a:r>
+              <a:rPr lang="en-US" sz="1200" i="1" dirty="0">
+                <a:effectLst/>
+                <a:latin typeface="sohne"/>
+              </a:rPr>
+              <a:t>Nat Methods</a:t>
+            </a:r>
+            <a:r>
+              <a:rPr lang="en-US" sz="1200" i="0" dirty="0">
+                <a:effectLst/>
+                <a:latin typeface="sohne"/>
+              </a:rPr>
+              <a:t> 10, 921–922 (2013). https://doi.org/10.1038/nmeth.2659</a:t>
+            </a:r>
+            <a:endParaRPr lang="en-US" sz="1200" dirty="0"/>
+          </a:p>
+        </p:txBody>
+      </p:sp>
+      <p:sp>
+        <p:nvSpPr>
+          <p:cNvPr id="4" name="TextBox 3">
+            <a:extLst>
+              <a:ext uri="{FF2B5EF4-FFF2-40B4-BE49-F238E27FC236}">
+                <a16:creationId xmlns:a16="http://schemas.microsoft.com/office/drawing/2014/main" id="{05896DA4-247E-2D25-B575-905F4FE4B367}"/>
+              </a:ext>
+            </a:extLst>
+          </p:cNvPr>
+          <p:cNvSpPr txBox="1"/>
+          <p:nvPr/>
+        </p:nvSpPr>
+        <p:spPr>
+          <a:xfrm>
+            <a:off x="671332" y="358815"/>
+            <a:ext cx="7974957" cy="1200329"/>
+          </a:xfrm>
+          <a:prstGeom prst="rect">
+            <a:avLst/>
+          </a:prstGeom>
+          <a:noFill/>
+        </p:spPr>
+        <p:txBody>
+          <a:bodyPr wrap="square" rtlCol="0">
+            <a:spAutoFit/>
+          </a:bodyPr>
+          <a:lstStyle/>
+          <a:p>
+            <a:r>
+              <a:rPr lang="en-US" b="1" dirty="0"/>
+              <a:t>Summary</a:t>
+            </a:r>
+          </a:p>
+          <a:p>
+            <a:r>
+              <a:rPr lang="en-US" dirty="0"/>
+              <a:t>1. You cannot get any information about statistical significance from </a:t>
+            </a:r>
+            <a:r>
+              <a:rPr lang="en-US" dirty="0" err="1"/>
+              <a:t>s.d.</a:t>
+            </a:r>
+            <a:r>
+              <a:rPr lang="en-US" dirty="0"/>
+              <a:t> error bars. 2. You can draw conclusions about statistical significance from </a:t>
+            </a:r>
+            <a:r>
+              <a:rPr lang="en-US" dirty="0" err="1"/>
+              <a:t>s.e.m.</a:t>
+            </a:r>
+            <a:r>
+              <a:rPr lang="en-US" dirty="0"/>
+              <a:t> or 95% C.I. error bars, but whether or not they are less than 0.05 p-value is not intuitive.</a:t>
+            </a:r>
+          </a:p>
+        </p:txBody>
+      </p:sp>
+    </p:spTree>
+    <p:extLst>
+      <p:ext uri="{BB962C8B-B14F-4D97-AF65-F5344CB8AC3E}">
+        <p14:creationId xmlns:p14="http://schemas.microsoft.com/office/powerpoint/2010/main" val="186765384"/>
+      </p:ext>
+    </p:extLst>
+  </p:cSld>
+  <p:clrMapOvr>
+    <a:masterClrMapping/>
+  </p:clrMapOvr>
+</p:sld>
+</file>
+
 <file path=ppt/slides/slide3.xml><?xml version="1.0" encoding="utf-8"?>
 <p:sld xmlns:a="http://schemas.openxmlformats.org/drawingml/2006/main" xmlns:r="http://schemas.openxmlformats.org/officeDocument/2006/relationships" xmlns:p="http://schemas.openxmlformats.org/presentationml/2006/main">
   <p:cSld>
@@ -10496,7 +10945,19 @@
             </a:pPr>
             <a:r>
               <a:rPr lang="en-US" sz="2400" dirty="0"/>
-              <a:t>“average distance each point is from the mean”</a:t>
+              <a:t>“</a:t>
+            </a:r>
+            <a:r>
+              <a:rPr lang="en-US" sz="2400" dirty="0">
+                <a:solidFill>
+                  <a:srgbClr val="C00000"/>
+                </a:solidFill>
+              </a:rPr>
+              <a:t>average distance each point is from the mean</a:t>
+            </a:r>
+            <a:r>
+              <a:rPr lang="en-US" sz="2400" dirty="0"/>
+              <a:t>”</a:t>
             </a:r>
           </a:p>
           <a:p>
@@ -11615,7 +12076,7 @@
         </p:spPr>
         <p:txBody>
           <a:bodyPr>
-            <a:normAutofit lnSpcReduction="10000"/>
+            <a:normAutofit/>
           </a:bodyPr>
           <a:lstStyle/>
           <a:p>

--- a/6-Error_bars.pptx
+++ b/6-Error_bars.pptx
@@ -23,7 +23,7 @@
     <p:sldId id="268" r:id="rId11"/>
     <p:sldId id="260" r:id="rId12"/>
     <p:sldId id="261" r:id="rId13"/>
-    <p:sldId id="266" r:id="rId14"/>
+    <p:sldId id="279" r:id="rId14"/>
     <p:sldId id="271" r:id="rId15"/>
     <p:sldId id="269" r:id="rId16"/>
     <p:sldId id="272" r:id="rId17"/>
@@ -232,7 +232,7 @@
           <a:p>
             <a:fld id="{FC4DB5A4-DD84-9D4B-A325-6E14D9EDC754}" type="datetimeFigureOut">
               <a:rPr lang="en-US" smtClean="0"/>
-              <a:t>11/14/24</a:t>
+              <a:t>11/12/25</a:t>
             </a:fld>
             <a:endParaRPr lang="en-US"/>
           </a:p>
@@ -397,7 +397,7 @@
           <a:p>
             <a:fld id="{9BA97432-5253-7843-9D42-97ECE6256560}" type="datetimeFigureOut">
               <a:rPr lang="en-US" smtClean="0"/>
-              <a:t>11/14/24</a:t>
+              <a:t>11/12/25</a:t>
             </a:fld>
             <a:endParaRPr lang="en-US"/>
           </a:p>
@@ -826,7 +826,10 @@
           <a:bodyPr/>
           <a:lstStyle/>
           <a:p>
-            <a:endParaRPr lang="en-US" dirty="0"/>
+            <a:r>
+              <a:rPr lang="en-US" dirty="0"/>
+              <a:t>SEM = standard error of the MEAN</a:t>
+            </a:r>
           </a:p>
         </p:txBody>
       </p:sp>
@@ -1343,7 +1346,7 @@
           <a:effectLst/>
           <a:extLst>
             <a:ext uri="{AF507438-7753-43e0-B8FC-AC1667EBCBE1}">
-              <a14:hiddenEffects xmlns="" xmlns:a14="http://schemas.microsoft.com/office/drawing/2010/main">
+              <a14:hiddenEffects xmlns:a14="http://schemas.microsoft.com/office/drawing/2010/main" xmlns="">
                 <a:effectLst>
                   <a:outerShdw blurRad="63500" dist="38099" dir="2700000" algn="ctr" rotWithShape="0">
                     <a:srgbClr val="000000">
@@ -1385,14 +1388,14 @@
           <a:ln/>
           <a:extLst>
             <a:ext uri="{909E8E84-426E-40dd-AFC4-6F175D3DCCD1}">
-              <a14:hiddenFill xmlns="" xmlns:a14="http://schemas.microsoft.com/office/drawing/2010/main">
+              <a14:hiddenFill xmlns:a14="http://schemas.microsoft.com/office/drawing/2010/main" xmlns="">
                 <a:solidFill>
                   <a:srgbClr val="FFFFFF"/>
                 </a:solidFill>
               </a14:hiddenFill>
             </a:ext>
             <a:ext uri="{91240B29-F687-4f45-9708-019B960494DF}">
-              <a14:hiddenLine xmlns="" xmlns:a14="http://schemas.microsoft.com/office/drawing/2010/main" w="9525">
+              <a14:hiddenLine xmlns:a14="http://schemas.microsoft.com/office/drawing/2010/main" xmlns="" w="9525">
                 <a:solidFill>
                   <a:srgbClr val="000000"/>
                 </a:solidFill>
@@ -1402,7 +1405,7 @@
               </a14:hiddenLine>
             </a:ext>
             <a:ext uri="{AF507438-7753-43e0-B8FC-AC1667EBCBE1}">
-              <a14:hiddenEffects xmlns="" xmlns:a14="http://schemas.microsoft.com/office/drawing/2010/main">
+              <a14:hiddenEffects xmlns:a14="http://schemas.microsoft.com/office/drawing/2010/main" xmlns="">
                 <a:effectLst>
                   <a:outerShdw blurRad="63500" dist="38099" dir="2700000" algn="ctr" rotWithShape="0">
                     <a:srgbClr val="000000">
@@ -2658,7 +2661,7 @@
           <a:p>
             <a:fld id="{77E121AC-952C-F64F-A84B-88C5A7C30312}" type="datetimeFigureOut">
               <a:rPr lang="en-US" smtClean="0"/>
-              <a:t>11/14/24</a:t>
+              <a:t>11/12/25</a:t>
             </a:fld>
             <a:endParaRPr lang="en-US"/>
           </a:p>
@@ -2826,7 +2829,7 @@
           <a:p>
             <a:fld id="{77E121AC-952C-F64F-A84B-88C5A7C30312}" type="datetimeFigureOut">
               <a:rPr lang="en-US" smtClean="0"/>
-              <a:t>11/14/24</a:t>
+              <a:t>11/12/25</a:t>
             </a:fld>
             <a:endParaRPr lang="en-US"/>
           </a:p>
@@ -3004,7 +3007,7 @@
           <a:p>
             <a:fld id="{77E121AC-952C-F64F-A84B-88C5A7C30312}" type="datetimeFigureOut">
               <a:rPr lang="en-US" smtClean="0"/>
-              <a:t>11/14/24</a:t>
+              <a:t>11/12/25</a:t>
             </a:fld>
             <a:endParaRPr lang="en-US"/>
           </a:p>
@@ -3172,7 +3175,7 @@
           <a:p>
             <a:fld id="{77E121AC-952C-F64F-A84B-88C5A7C30312}" type="datetimeFigureOut">
               <a:rPr lang="en-US" smtClean="0"/>
-              <a:t>11/14/24</a:t>
+              <a:t>11/12/25</a:t>
             </a:fld>
             <a:endParaRPr lang="en-US"/>
           </a:p>
@@ -3417,7 +3420,7 @@
           <a:p>
             <a:fld id="{77E121AC-952C-F64F-A84B-88C5A7C30312}" type="datetimeFigureOut">
               <a:rPr lang="en-US" smtClean="0"/>
-              <a:t>11/14/24</a:t>
+              <a:t>11/12/25</a:t>
             </a:fld>
             <a:endParaRPr lang="en-US"/>
           </a:p>
@@ -3702,7 +3705,7 @@
           <a:p>
             <a:fld id="{77E121AC-952C-F64F-A84B-88C5A7C30312}" type="datetimeFigureOut">
               <a:rPr lang="en-US" smtClean="0"/>
-              <a:t>11/14/24</a:t>
+              <a:t>11/12/25</a:t>
             </a:fld>
             <a:endParaRPr lang="en-US"/>
           </a:p>
@@ -4121,7 +4124,7 @@
           <a:p>
             <a:fld id="{77E121AC-952C-F64F-A84B-88C5A7C30312}" type="datetimeFigureOut">
               <a:rPr lang="en-US" smtClean="0"/>
-              <a:t>11/14/24</a:t>
+              <a:t>11/12/25</a:t>
             </a:fld>
             <a:endParaRPr lang="en-US"/>
           </a:p>
@@ -4238,7 +4241,7 @@
           <a:p>
             <a:fld id="{77E121AC-952C-F64F-A84B-88C5A7C30312}" type="datetimeFigureOut">
               <a:rPr lang="en-US" smtClean="0"/>
-              <a:t>11/14/24</a:t>
+              <a:t>11/12/25</a:t>
             </a:fld>
             <a:endParaRPr lang="en-US"/>
           </a:p>
@@ -4333,7 +4336,7 @@
           <a:p>
             <a:fld id="{77E121AC-952C-F64F-A84B-88C5A7C30312}" type="datetimeFigureOut">
               <a:rPr lang="en-US" smtClean="0"/>
-              <a:t>11/14/24</a:t>
+              <a:t>11/12/25</a:t>
             </a:fld>
             <a:endParaRPr lang="en-US"/>
           </a:p>
@@ -4608,7 +4611,7 @@
           <a:p>
             <a:fld id="{77E121AC-952C-F64F-A84B-88C5A7C30312}" type="datetimeFigureOut">
               <a:rPr lang="en-US" smtClean="0"/>
-              <a:t>11/14/24</a:t>
+              <a:t>11/12/25</a:t>
             </a:fld>
             <a:endParaRPr lang="en-US"/>
           </a:p>
@@ -4860,7 +4863,7 @@
           <a:p>
             <a:fld id="{77E121AC-952C-F64F-A84B-88C5A7C30312}" type="datetimeFigureOut">
               <a:rPr lang="en-US" smtClean="0"/>
-              <a:t>11/14/24</a:t>
+              <a:t>11/12/25</a:t>
             </a:fld>
             <a:endParaRPr lang="en-US"/>
           </a:p>
@@ -5071,7 +5074,7 @@
           <a:p>
             <a:fld id="{77E121AC-952C-F64F-A84B-88C5A7C30312}" type="datetimeFigureOut">
               <a:rPr lang="en-US" smtClean="0"/>
-              <a:t>11/14/24</a:t>
+              <a:t>11/12/25</a:t>
             </a:fld>
             <a:endParaRPr lang="en-US"/>
           </a:p>
@@ -7316,7 +7319,7 @@
           <a:noFill/>
           <a:extLst>
             <a:ext uri="{909E8E84-426E-40dd-AFC4-6F175D3DCCD1}">
-              <a14:hiddenFill xmlns="" xmlns:a14="http://schemas.microsoft.com/office/drawing/2010/main">
+              <a14:hiddenFill xmlns:a14="http://schemas.microsoft.com/office/drawing/2010/main" xmlns="">
                 <a:solidFill>
                   <a:srgbClr val="FFFFFF"/>
                 </a:solidFill>
@@ -7395,7 +7398,13 @@
   <p:cSld>
     <p:spTree>
       <p:nvGrpSpPr>
-        <p:cNvPr id="1" name=""/>
+        <p:cNvPr id="1" name="">
+          <a:extLst>
+            <a:ext uri="{FF2B5EF4-FFF2-40B4-BE49-F238E27FC236}">
+              <a16:creationId xmlns:a16="http://schemas.microsoft.com/office/drawing/2014/main" id="{C8F40C47-DA79-4C64-8A0D-4089D82F1DEA}"/>
+            </a:ext>
+          </a:extLst>
+        </p:cNvPr>
         <p:cNvGrpSpPr/>
         <p:nvPr/>
       </p:nvGrpSpPr>
@@ -7409,7 +7418,13 @@
       </p:grpSpPr>
       <p:sp>
         <p:nvSpPr>
-          <p:cNvPr id="2" name="Title 1"/>
+          <p:cNvPr id="2" name="Title 1">
+            <a:extLst>
+              <a:ext uri="{FF2B5EF4-FFF2-40B4-BE49-F238E27FC236}">
+                <a16:creationId xmlns:a16="http://schemas.microsoft.com/office/drawing/2014/main" id="{AFD4D036-3664-26A0-BE17-28A68D672D0B}"/>
+              </a:ext>
+            </a:extLst>
+          </p:cNvPr>
           <p:cNvSpPr>
             <a:spLocks noGrp="1"/>
           </p:cNvSpPr>
@@ -7420,12 +7435,12 @@
         <p:spPr>
           <a:xfrm>
             <a:off x="457199" y="74752"/>
-            <a:ext cx="8320777" cy="1570247"/>
+            <a:ext cx="8320777" cy="865313"/>
           </a:xfrm>
         </p:spPr>
         <p:txBody>
           <a:bodyPr>
-            <a:normAutofit/>
+            <a:normAutofit fontScale="90000"/>
           </a:bodyPr>
           <a:lstStyle/>
           <a:p>
@@ -7451,45 +7466,21 @@
           </a:p>
         </p:txBody>
       </p:sp>
-      <p:pic>
-        <p:nvPicPr>
-          <p:cNvPr id="5" name="Picture 4" descr="types of error bars.pdf"/>
-          <p:cNvPicPr>
-            <a:picLocks noChangeAspect="1"/>
-          </p:cNvPicPr>
-          <p:nvPr/>
-        </p:nvPicPr>
-        <p:blipFill>
-          <a:blip r:embed="rId2">
+      <p:sp>
+        <p:nvSpPr>
+          <p:cNvPr id="3" name="TextBox 2">
             <a:extLst>
-              <a:ext uri="{28A0092B-C50C-407E-A947-70E740481C1C}">
-                <a14:useLocalDpi xmlns:a14="http://schemas.microsoft.com/office/drawing/2010/main" val="0"/>
+              <a:ext uri="{FF2B5EF4-FFF2-40B4-BE49-F238E27FC236}">
+                <a16:creationId xmlns:a16="http://schemas.microsoft.com/office/drawing/2014/main" id="{00E5E891-91DA-F3D2-DDEB-ADDEB1A60C8E}"/>
               </a:ext>
             </a:extLst>
-          </a:blip>
-          <a:stretch>
-            <a:fillRect/>
-          </a:stretch>
-        </p:blipFill>
-        <p:spPr>
-          <a:xfrm>
-            <a:off x="2029074" y="1788673"/>
-            <a:ext cx="5108078" cy="2938361"/>
-          </a:xfrm>
-          <a:prstGeom prst="rect">
-            <a:avLst/>
-          </a:prstGeom>
-        </p:spPr>
-      </p:pic>
-      <p:sp>
-        <p:nvSpPr>
-          <p:cNvPr id="3" name="TextBox 2"/>
+          </p:cNvPr>
           <p:cNvSpPr txBox="1"/>
           <p:nvPr/>
         </p:nvSpPr>
         <p:spPr>
           <a:xfrm>
-            <a:off x="337848" y="4870708"/>
+            <a:off x="488320" y="5530466"/>
             <a:ext cx="8559478" cy="1107996"/>
           </a:xfrm>
           <a:prstGeom prst="rect">
@@ -7580,10 +7571,40 @@
           </a:p>
         </p:txBody>
       </p:sp>
+      <p:pic>
+        <p:nvPicPr>
+          <p:cNvPr id="6" name="Picture 5">
+            <a:extLst>
+              <a:ext uri="{FF2B5EF4-FFF2-40B4-BE49-F238E27FC236}">
+                <a16:creationId xmlns:a16="http://schemas.microsoft.com/office/drawing/2014/main" id="{2CF7F202-2AAB-CB3D-30BC-AB7A157E855D}"/>
+              </a:ext>
+            </a:extLst>
+          </p:cNvPr>
+          <p:cNvPicPr>
+            <a:picLocks noChangeAspect="1"/>
+          </p:cNvPicPr>
+          <p:nvPr/>
+        </p:nvPicPr>
+        <p:blipFill>
+          <a:blip r:embed="rId2"/>
+          <a:stretch>
+            <a:fillRect/>
+          </a:stretch>
+        </p:blipFill>
+        <p:spPr>
+          <a:xfrm>
+            <a:off x="685800" y="1122565"/>
+            <a:ext cx="7772400" cy="4231188"/>
+          </a:xfrm>
+          <a:prstGeom prst="rect">
+            <a:avLst/>
+          </a:prstGeom>
+        </p:spPr>
+      </p:pic>
     </p:spTree>
     <p:extLst>
       <p:ext uri="{BB962C8B-B14F-4D97-AF65-F5344CB8AC3E}">
-        <p14:creationId xmlns:p14="http://schemas.microsoft.com/office/powerpoint/2010/main" val="4179858306"/>
+        <p14:creationId xmlns:p14="http://schemas.microsoft.com/office/powerpoint/2010/main" val="952573376"/>
       </p:ext>
     </p:extLst>
   </p:cSld>
@@ -7646,7 +7667,7 @@
           <a:effectLst/>
           <a:extLst>
             <a:ext uri="{909E8E84-426E-40dd-AFC4-6F175D3DCCD1}">
-              <a14:hiddenFill xmlns="" xmlns:a14="http://schemas.microsoft.com/office/drawing/2010/main">
+              <a14:hiddenFill xmlns:a14="http://schemas.microsoft.com/office/drawing/2010/main" xmlns="">
                 <a:blipFill dpi="0" rotWithShape="0">
                   <a:blip/>
                   <a:srcRect/>
@@ -7657,7 +7678,7 @@
               </a14:hiddenFill>
             </a:ext>
             <a:ext uri="{91240B29-F687-4f45-9708-019B960494DF}">
-              <a14:hiddenLine xmlns="" xmlns:a14="http://schemas.microsoft.com/office/drawing/2010/main" w="9525">
+              <a14:hiddenLine xmlns:a14="http://schemas.microsoft.com/office/drawing/2010/main" xmlns="" w="9525">
                 <a:solidFill>
                   <a:srgbClr val="FFFFFF"/>
                 </a:solidFill>
@@ -7667,7 +7688,7 @@
               </a14:hiddenLine>
             </a:ext>
             <a:ext uri="{AF507438-7753-43e0-B8FC-AC1667EBCBE1}">
-              <a14:hiddenEffects xmlns="" xmlns:a14="http://schemas.microsoft.com/office/drawing/2010/main">
+              <a14:hiddenEffects xmlns:a14="http://schemas.microsoft.com/office/drawing/2010/main" xmlns="">
                 <a:effectLst>
                   <a:outerShdw blurRad="63500" dist="38099" dir="2700000" algn="ctr" rotWithShape="0">
                     <a:srgbClr val="000000">
@@ -7745,7 +7766,7 @@
           <a:effectLst/>
           <a:extLst>
             <a:ext uri="{909E8E84-426E-40dd-AFC4-6F175D3DCCD1}">
-              <a14:hiddenFill xmlns="" xmlns:a14="http://schemas.microsoft.com/office/drawing/2010/main">
+              <a14:hiddenFill xmlns:a14="http://schemas.microsoft.com/office/drawing/2010/main" xmlns="">
                 <a:blipFill dpi="0" rotWithShape="0">
                   <a:blip/>
                   <a:srcRect/>
@@ -7756,7 +7777,7 @@
               </a14:hiddenFill>
             </a:ext>
             <a:ext uri="{91240B29-F687-4f45-9708-019B960494DF}">
-              <a14:hiddenLine xmlns="" xmlns:a14="http://schemas.microsoft.com/office/drawing/2010/main" w="9525">
+              <a14:hiddenLine xmlns:a14="http://schemas.microsoft.com/office/drawing/2010/main" xmlns="" w="9525">
                 <a:solidFill>
                   <a:srgbClr val="FFFFFF"/>
                 </a:solidFill>
@@ -7766,7 +7787,7 @@
               </a14:hiddenLine>
             </a:ext>
             <a:ext uri="{AF507438-7753-43e0-B8FC-AC1667EBCBE1}">
-              <a14:hiddenEffects xmlns="" xmlns:a14="http://schemas.microsoft.com/office/drawing/2010/main">
+              <a14:hiddenEffects xmlns:a14="http://schemas.microsoft.com/office/drawing/2010/main" xmlns="">
                 <a:effectLst>
                   <a:outerShdw blurRad="63500" dist="38099" dir="2700000" algn="ctr" rotWithShape="0">
                     <a:srgbClr val="000000">
@@ -8017,7 +8038,7 @@
             </a:r>
             <a:r>
               <a:rPr lang="en-US" sz="2400" dirty="0"/>
-              <a:t>: Builds on Standard Deviation. Used to infer whether two groups </a:t>
+              <a:t>: Builds on Standard Deviation. Used to infer whether the means of groups </a:t>
             </a:r>
             <a:r>
               <a:rPr lang="en-US" sz="2400" dirty="0">
@@ -8367,7 +8388,7 @@
           <a:effectLst/>
           <a:extLst>
             <a:ext uri="{909E8E84-426E-40dd-AFC4-6F175D3DCCD1}">
-              <a14:hiddenFill xmlns="" xmlns:a14="http://schemas.microsoft.com/office/drawing/2010/main">
+              <a14:hiddenFill xmlns:a14="http://schemas.microsoft.com/office/drawing/2010/main" xmlns="">
                 <a:blipFill dpi="0" rotWithShape="0">
                   <a:blip/>
                   <a:srcRect/>
@@ -8378,7 +8399,7 @@
               </a14:hiddenFill>
             </a:ext>
             <a:ext uri="{91240B29-F687-4f45-9708-019B960494DF}">
-              <a14:hiddenLine xmlns="" xmlns:a14="http://schemas.microsoft.com/office/drawing/2010/main" w="9525">
+              <a14:hiddenLine xmlns:a14="http://schemas.microsoft.com/office/drawing/2010/main" xmlns="" w="9525">
                 <a:solidFill>
                   <a:srgbClr val="FFFFFF"/>
                 </a:solidFill>
@@ -8388,7 +8409,7 @@
               </a14:hiddenLine>
             </a:ext>
             <a:ext uri="{AF507438-7753-43e0-B8FC-AC1667EBCBE1}">
-              <a14:hiddenEffects xmlns="" xmlns:a14="http://schemas.microsoft.com/office/drawing/2010/main">
+              <a14:hiddenEffects xmlns:a14="http://schemas.microsoft.com/office/drawing/2010/main" xmlns="">
                 <a:effectLst>
                   <a:outerShdw blurRad="63500" dist="38099" dir="2700000" algn="ctr" rotWithShape="0">
                     <a:srgbClr val="000000">
@@ -9772,7 +9793,7 @@
           <a:effectLst/>
           <a:extLst>
             <a:ext uri="{909E8E84-426E-40dd-AFC4-6F175D3DCCD1}">
-              <a14:hiddenFill xmlns="" xmlns:a14="http://schemas.microsoft.com/office/drawing/2010/main">
+              <a14:hiddenFill xmlns:a14="http://schemas.microsoft.com/office/drawing/2010/main" xmlns="">
                 <a:blipFill dpi="0" rotWithShape="0">
                   <a:blip/>
                   <a:srcRect/>
@@ -9783,7 +9804,7 @@
               </a14:hiddenFill>
             </a:ext>
             <a:ext uri="{91240B29-F687-4f45-9708-019B960494DF}">
-              <a14:hiddenLine xmlns="" xmlns:a14="http://schemas.microsoft.com/office/drawing/2010/main" w="9525">
+              <a14:hiddenLine xmlns:a14="http://schemas.microsoft.com/office/drawing/2010/main" xmlns="" w="9525">
                 <a:solidFill>
                   <a:srgbClr val="FFFFFF"/>
                 </a:solidFill>
@@ -9793,7 +9814,7 @@
               </a14:hiddenLine>
             </a:ext>
             <a:ext uri="{AF507438-7753-43e0-B8FC-AC1667EBCBE1}">
-              <a14:hiddenEffects xmlns="" xmlns:a14="http://schemas.microsoft.com/office/drawing/2010/main">
+              <a14:hiddenEffects xmlns:a14="http://schemas.microsoft.com/office/drawing/2010/main" xmlns="">
                 <a:effectLst>
                   <a:outerShdw blurRad="63500" dist="38099" dir="2700000" algn="ctr" rotWithShape="0">
                     <a:srgbClr val="000000">
@@ -9859,14 +9880,14 @@
           <a:effectLst/>
           <a:extLst>
             <a:ext uri="{909E8E84-426E-40dd-AFC4-6F175D3DCCD1}">
-              <a14:hiddenFill xmlns="" xmlns:a14="http://schemas.microsoft.com/office/drawing/2010/main">
+              <a14:hiddenFill xmlns:a14="http://schemas.microsoft.com/office/drawing/2010/main" xmlns="">
                 <a:solidFill>
                   <a:srgbClr val="FFFFFF"/>
                 </a:solidFill>
               </a14:hiddenFill>
             </a:ext>
             <a:ext uri="{91240B29-F687-4f45-9708-019B960494DF}">
-              <a14:hiddenLine xmlns="" xmlns:a14="http://schemas.microsoft.com/office/drawing/2010/main" w="9525">
+              <a14:hiddenLine xmlns:a14="http://schemas.microsoft.com/office/drawing/2010/main" xmlns="" w="9525">
                 <a:solidFill>
                   <a:srgbClr val="FFFFFF"/>
                 </a:solidFill>
@@ -9876,7 +9897,7 @@
               </a14:hiddenLine>
             </a:ext>
             <a:ext uri="{AF507438-7753-43e0-B8FC-AC1667EBCBE1}">
-              <a14:hiddenEffects xmlns="" xmlns:a14="http://schemas.microsoft.com/office/drawing/2010/main">
+              <a14:hiddenEffects xmlns:a14="http://schemas.microsoft.com/office/drawing/2010/main" xmlns="">
                 <a:effectLst>
                   <a:outerShdw blurRad="63500" dist="38099" dir="2700000" algn="ctr" rotWithShape="0">
                     <a:srgbClr val="000000">
@@ -10211,7 +10232,7 @@
           <a:effectLst/>
           <a:extLst>
             <a:ext uri="{909E8E84-426E-40dd-AFC4-6F175D3DCCD1}">
-              <a14:hiddenFill xmlns="" xmlns:a14="http://schemas.microsoft.com/office/drawing/2010/main">
+              <a14:hiddenFill xmlns:a14="http://schemas.microsoft.com/office/drawing/2010/main" xmlns="">
                 <a:blipFill dpi="0" rotWithShape="0">
                   <a:blip/>
                   <a:srcRect/>
@@ -10222,7 +10243,7 @@
               </a14:hiddenFill>
             </a:ext>
             <a:ext uri="{91240B29-F687-4f45-9708-019B960494DF}">
-              <a14:hiddenLine xmlns="" xmlns:a14="http://schemas.microsoft.com/office/drawing/2010/main" w="9525">
+              <a14:hiddenLine xmlns:a14="http://schemas.microsoft.com/office/drawing/2010/main" xmlns="" w="9525">
                 <a:solidFill>
                   <a:srgbClr val="FFFFFF"/>
                 </a:solidFill>
@@ -10232,7 +10253,7 @@
               </a14:hiddenLine>
             </a:ext>
             <a:ext uri="{AF507438-7753-43e0-B8FC-AC1667EBCBE1}">
-              <a14:hiddenEffects xmlns="" xmlns:a14="http://schemas.microsoft.com/office/drawing/2010/main">
+              <a14:hiddenEffects xmlns:a14="http://schemas.microsoft.com/office/drawing/2010/main" xmlns="">
                 <a:effectLst>
                   <a:outerShdw blurRad="63500" dist="38099" dir="2700000" algn="ctr" rotWithShape="0">
                     <a:srgbClr val="000000">
@@ -11133,7 +11154,7 @@
           <a:noFill/>
           <a:extLst>
             <a:ext uri="{909E8E84-426E-40dd-AFC4-6F175D3DCCD1}">
-              <a14:hiddenFill xmlns="" xmlns:a14="http://schemas.microsoft.com/office/drawing/2010/main">
+              <a14:hiddenFill xmlns:a14="http://schemas.microsoft.com/office/drawing/2010/main" xmlns="">
                 <a:solidFill>
                   <a:srgbClr val="FFFFFF"/>
                 </a:solidFill>
